--- a/project_01/docs/Pillar_ENGI301_project_01_proposal.pptx
+++ b/project_01/docs/Pillar_ENGI301_project_01_proposal.pptx
@@ -262,7 +262,7 @@
       </p15:sldGuideLst>
     </p:ext>
     <p:ext uri="GoogleSlidesCustomDataVersion2">
-      <go:slidesCustomData xmlns:go="http://customooxmlschemas.google.com/" r:id="rId13" roundtripDataSignature="AMtx7mi9r3SCPfM1bpKEgMtPaTNqKasMxg=="/>
+      <go:slidesCustomData xmlns:go="http://customooxmlschemas.google.com/" r:id="rId13" roundtripDataSignature="AMtx7miwqNrmHQXNGXCGbrWx1lg55fG+Ug=="/>
     </p:ext>
   </p:extLst>
 </p:presentation>
@@ -1863,6 +1863,55 @@
               <a:spcAft>
                 <a:spcPts val="0"/>
               </a:spcAft>
+              <a:buClr>
+                <a:schemeClr val="dk2"/>
+              </a:buClr>
+              <a:buSzPts val="1100"/>
+              <a:buFont typeface="Arial"/>
+              <a:buNone/>
+            </a:pPr>
+            <a:r>
+              <a:rPr lang="en-US"/>
+              <a:t>joystick – AIN on pb are 3.3 and 1.8 , use </a:t>
+            </a:r>
+            <a:r>
+              <a:rPr lang="en-US"/>
+              <a:t>resistor</a:t>
+            </a:r>
+            <a:r>
+              <a:rPr lang="en-US"/>
+              <a:t> to bring it to the right voltage or under </a:t>
+            </a:r>
+            <a:endParaRPr/>
+          </a:p>
+          <a:p>
+            <a:pPr indent="0" lvl="0" marL="0" rtl="0" algn="l">
+              <a:spcBef>
+                <a:spcPts val="0"/>
+              </a:spcBef>
+              <a:spcAft>
+                <a:spcPts val="0"/>
+              </a:spcAft>
+              <a:buClr>
+                <a:schemeClr val="dk2"/>
+              </a:buClr>
+              <a:buSzPts val="1100"/>
+              <a:buFont typeface="Arial"/>
+              <a:buNone/>
+            </a:pPr>
+            <a:r>
+              <a:t/>
+            </a:r>
+            <a:endParaRPr/>
+          </a:p>
+          <a:p>
+            <a:pPr indent="0" lvl="0" marL="0" rtl="0" algn="l">
+              <a:spcBef>
+                <a:spcPts val="0"/>
+              </a:spcBef>
+              <a:spcAft>
+                <a:spcPts val="0"/>
+              </a:spcAft>
               <a:buNone/>
             </a:pPr>
             <a:r>
@@ -1920,7 +1969,7 @@
   <p:cSld>
     <p:spTree>
       <p:nvGrpSpPr>
-        <p:cNvPr id="412" name="Shape 412"/>
+        <p:cNvPr id="413" name="Shape 413"/>
         <p:cNvGrpSpPr/>
         <p:nvPr/>
       </p:nvGrpSpPr>
@@ -1934,7 +1983,7 @@
       </p:grpSpPr>
       <p:sp>
         <p:nvSpPr>
-          <p:cNvPr id="413" name="Google Shape;413;p4:notes"/>
+          <p:cNvPr id="414" name="Google Shape;414;p4:notes"/>
           <p:cNvSpPr txBox="1"/>
           <p:nvPr>
             <p:ph idx="1" type="body"/>
@@ -2003,6 +2052,83 @@
               <a:spcAft>
                 <a:spcPts val="0"/>
               </a:spcAft>
+              <a:buClr>
+                <a:schemeClr val="dk2"/>
+              </a:buClr>
+              <a:buSzPts val="1100"/>
+              <a:buFont typeface="Arial"/>
+              <a:buNone/>
+            </a:pPr>
+            <a:r>
+              <a:rPr lang="en-US"/>
+              <a:t>tri-color led – </a:t>
+            </a:r>
+            <a:r>
+              <a:rPr lang="en-US"/>
+              <a:t>transistor</a:t>
+            </a:r>
+            <a:r>
+              <a:rPr lang="en-US"/>
+              <a:t> controlled bc pb can’t </a:t>
+            </a:r>
+            <a:r>
+              <a:rPr lang="en-US"/>
+              <a:t>supply</a:t>
+            </a:r>
+            <a:r>
+              <a:rPr lang="en-US"/>
+              <a:t> 20 ma of current </a:t>
+            </a:r>
+            <a:endParaRPr/>
+          </a:p>
+          <a:p>
+            <a:pPr indent="0" lvl="0" marL="0" rtl="0" algn="l">
+              <a:spcBef>
+                <a:spcPts val="0"/>
+              </a:spcBef>
+              <a:spcAft>
+                <a:spcPts val="0"/>
+              </a:spcAft>
+              <a:buClr>
+                <a:schemeClr val="dk2"/>
+              </a:buClr>
+              <a:buSzPts val="1100"/>
+              <a:buFont typeface="Arial"/>
+              <a:buNone/>
+            </a:pPr>
+            <a:r>
+              <a:t/>
+            </a:r>
+            <a:endParaRPr/>
+          </a:p>
+          <a:p>
+            <a:pPr indent="0" lvl="0" marL="0" rtl="0" algn="l">
+              <a:spcBef>
+                <a:spcPts val="0"/>
+              </a:spcBef>
+              <a:spcAft>
+                <a:spcPts val="0"/>
+              </a:spcAft>
+              <a:buClr>
+                <a:schemeClr val="dk2"/>
+              </a:buClr>
+              <a:buSzPts val="1100"/>
+              <a:buFont typeface="Arial"/>
+              <a:buNone/>
+            </a:pPr>
+            <a:r>
+              <a:t/>
+            </a:r>
+            <a:endParaRPr/>
+          </a:p>
+          <a:p>
+            <a:pPr indent="0" lvl="0" marL="0" rtl="0" algn="l">
+              <a:spcBef>
+                <a:spcPts val="0"/>
+              </a:spcBef>
+              <a:spcAft>
+                <a:spcPts val="0"/>
+              </a:spcAft>
               <a:buNone/>
             </a:pPr>
             <a:r>
@@ -2014,7 +2140,7 @@
       </p:sp>
       <p:sp>
         <p:nvSpPr>
-          <p:cNvPr id="414" name="Google Shape;414;p4:notes"/>
+          <p:cNvPr id="415" name="Google Shape;415;p4:notes"/>
           <p:cNvSpPr/>
           <p:nvPr>
             <p:ph idx="2" type="sldImg"/>
@@ -2060,7 +2186,7 @@
   <p:cSld>
     <p:spTree>
       <p:nvGrpSpPr>
-        <p:cNvPr id="419" name="Shape 419"/>
+        <p:cNvPr id="421" name="Shape 421"/>
         <p:cNvGrpSpPr/>
         <p:nvPr/>
       </p:nvGrpSpPr>
@@ -2074,7 +2200,7 @@
       </p:grpSpPr>
       <p:sp>
         <p:nvSpPr>
-          <p:cNvPr id="420" name="Google Shape;420;p5:notes"/>
+          <p:cNvPr id="422" name="Google Shape;422;p5:notes"/>
           <p:cNvSpPr txBox="1"/>
           <p:nvPr>
             <p:ph idx="1" type="body"/>
@@ -2105,6 +2231,22 @@
               <a:buNone/>
             </a:pPr>
             <a:r>
+              <a:rPr lang="en-US"/>
+              <a:t>lcd might be limiting – spi screen? can do a lot more in terms of display with it </a:t>
+            </a:r>
+            <a:endParaRPr/>
+          </a:p>
+          <a:p>
+            <a:pPr indent="0" lvl="0" marL="0" rtl="0" algn="l">
+              <a:spcBef>
+                <a:spcPts val="0"/>
+              </a:spcBef>
+              <a:spcAft>
+                <a:spcPts val="0"/>
+              </a:spcAft>
+              <a:buNone/>
+            </a:pPr>
+            <a:r>
               <a:t/>
             </a:r>
             <a:endParaRPr/>
@@ -2113,7 +2255,7 @@
       </p:sp>
       <p:sp>
         <p:nvSpPr>
-          <p:cNvPr id="421" name="Google Shape;421;p5:notes"/>
+          <p:cNvPr id="423" name="Google Shape;423;p5:notes"/>
           <p:cNvSpPr/>
           <p:nvPr>
             <p:ph idx="2" type="sldImg"/>
@@ -20182,7 +20324,7 @@
         </p:blipFill>
         <p:spPr>
           <a:xfrm>
-            <a:off x="2407225" y="723900"/>
+            <a:off x="1797625" y="723900"/>
             <a:ext cx="7377544" cy="5410199"/>
           </a:xfrm>
           <a:prstGeom prst="rect">
@@ -20246,6 +20388,56 @@
           </a:p>
         </p:txBody>
       </p:sp>
+      <p:sp>
+        <p:nvSpPr>
+          <p:cNvPr id="412" name="Google Shape;412;g2ba2c95edf7_0_8"/>
+          <p:cNvSpPr txBox="1"/>
+          <p:nvPr/>
+        </p:nvSpPr>
+        <p:spPr>
+          <a:xfrm>
+            <a:off x="9175175" y="3641000"/>
+            <a:ext cx="2560800" cy="2339700"/>
+          </a:xfrm>
+          <a:prstGeom prst="rect">
+            <a:avLst/>
+          </a:prstGeom>
+          <a:noFill/>
+          <a:ln>
+            <a:noFill/>
+          </a:ln>
+        </p:spPr>
+        <p:txBody>
+          <a:bodyPr anchorCtr="0" anchor="t" bIns="91425" lIns="91425" spcFirstLastPara="1" rIns="91425" wrap="square" tIns="91425">
+            <a:spAutoFit/>
+          </a:bodyPr>
+          <a:lstStyle/>
+          <a:p>
+            <a:pPr indent="0" lvl="0" marL="0" rtl="0" algn="l">
+              <a:spcBef>
+                <a:spcPts val="0"/>
+              </a:spcBef>
+              <a:spcAft>
+                <a:spcPts val="0"/>
+              </a:spcAft>
+              <a:buNone/>
+            </a:pPr>
+            <a:r>
+              <a:rPr lang="en-US" sz="2000">
+                <a:solidFill>
+                  <a:schemeClr val="dk1"/>
+                </a:solidFill>
+              </a:rPr>
+              <a:t>Note: For the joystick, AIN on the PocketBeagle are 3.3 V and 1.8 V, will have to use resistors to bring it to the right voltage or under</a:t>
+            </a:r>
+            <a:endParaRPr sz="2000">
+              <a:solidFill>
+                <a:schemeClr val="dk1"/>
+              </a:solidFill>
+            </a:endParaRPr>
+          </a:p>
+        </p:txBody>
+      </p:sp>
     </p:spTree>
   </p:cSld>
   <p:clrMapOvr>
@@ -20271,7 +20463,7 @@
   <p:cSld>
     <p:spTree>
       <p:nvGrpSpPr>
-        <p:cNvPr id="415" name="Shape 415"/>
+        <p:cNvPr id="416" name="Shape 416"/>
         <p:cNvGrpSpPr/>
         <p:nvPr/>
       </p:nvGrpSpPr>
@@ -20285,7 +20477,7 @@
       </p:grpSpPr>
       <p:sp>
         <p:nvSpPr>
-          <p:cNvPr id="416" name="Google Shape;416;p4"/>
+          <p:cNvPr id="417" name="Google Shape;417;p4"/>
           <p:cNvSpPr txBox="1"/>
           <p:nvPr>
             <p:ph type="title"/>
@@ -20337,7 +20529,7 @@
       </p:sp>
       <p:sp>
         <p:nvSpPr>
-          <p:cNvPr id="417" name="Google Shape;417;p4"/>
+          <p:cNvPr id="418" name="Google Shape;418;p4"/>
           <p:cNvSpPr txBox="1"/>
           <p:nvPr/>
         </p:nvSpPr>
@@ -20378,7 +20570,7 @@
       </p:sp>
       <p:pic>
         <p:nvPicPr>
-          <p:cNvPr id="418" name="Google Shape;418;p4"/>
+          <p:cNvPr id="419" name="Google Shape;419;p4"/>
           <p:cNvPicPr preferRelativeResize="0"/>
           <p:nvPr/>
         </p:nvPicPr>
@@ -20404,6 +20596,99 @@
           </a:ln>
         </p:spPr>
       </p:pic>
+      <p:sp>
+        <p:nvSpPr>
+          <p:cNvPr id="420" name="Google Shape;420;p4"/>
+          <p:cNvSpPr txBox="1"/>
+          <p:nvPr/>
+        </p:nvSpPr>
+        <p:spPr>
+          <a:xfrm>
+            <a:off x="9420300" y="1690200"/>
+            <a:ext cx="2450700" cy="2462700"/>
+          </a:xfrm>
+          <a:prstGeom prst="rect">
+            <a:avLst/>
+          </a:prstGeom>
+          <a:noFill/>
+          <a:ln>
+            <a:noFill/>
+          </a:ln>
+        </p:spPr>
+        <p:txBody>
+          <a:bodyPr anchorCtr="0" anchor="t" bIns="91425" lIns="91425" spcFirstLastPara="1" rIns="91425" wrap="square" tIns="91425">
+            <a:spAutoFit/>
+          </a:bodyPr>
+          <a:lstStyle/>
+          <a:p>
+            <a:pPr indent="0" lvl="0" marL="0" rtl="0" algn="l">
+              <a:spcBef>
+                <a:spcPts val="0"/>
+              </a:spcBef>
+              <a:spcAft>
+                <a:spcPts val="0"/>
+              </a:spcAft>
+              <a:buNone/>
+            </a:pPr>
+            <a:r>
+              <a:rPr lang="en-US" sz="1800">
+                <a:solidFill>
+                  <a:schemeClr val="dk1"/>
+                </a:solidFill>
+              </a:rPr>
+              <a:t>Note: The tri-color led has to be transistor controlled because the PocketBeagle can’t supply 20 Ma of current </a:t>
+            </a:r>
+            <a:endParaRPr sz="1800">
+              <a:solidFill>
+                <a:schemeClr val="dk1"/>
+              </a:solidFill>
+            </a:endParaRPr>
+          </a:p>
+          <a:p>
+            <a:pPr indent="0" lvl="0" marL="0" rtl="0" algn="l">
+              <a:spcBef>
+                <a:spcPts val="0"/>
+              </a:spcBef>
+              <a:spcAft>
+                <a:spcPts val="0"/>
+              </a:spcAft>
+              <a:buClr>
+                <a:schemeClr val="dk1"/>
+              </a:buClr>
+              <a:buSzPts val="1100"/>
+              <a:buFont typeface="Arial"/>
+              <a:buNone/>
+            </a:pPr>
+            <a:r>
+              <a:t/>
+            </a:r>
+            <a:endParaRPr sz="2000">
+              <a:solidFill>
+                <a:schemeClr val="dk1"/>
+              </a:solidFill>
+            </a:endParaRPr>
+          </a:p>
+          <a:p>
+            <a:pPr indent="0" lvl="0" marL="0" rtl="0" algn="l">
+              <a:spcBef>
+                <a:spcPts val="0"/>
+              </a:spcBef>
+              <a:spcAft>
+                <a:spcPts val="0"/>
+              </a:spcAft>
+              <a:buNone/>
+            </a:pPr>
+            <a:r>
+              <a:t/>
+            </a:r>
+            <a:endParaRPr sz="2000">
+              <a:solidFill>
+                <a:schemeClr val="dk1"/>
+              </a:solidFill>
+            </a:endParaRPr>
+          </a:p>
+        </p:txBody>
+      </p:sp>
     </p:spTree>
   </p:cSld>
   <p:clrMapOvr>
@@ -20429,7 +20714,7 @@
   <p:cSld>
     <p:spTree>
       <p:nvGrpSpPr>
-        <p:cNvPr id="422" name="Shape 422"/>
+        <p:cNvPr id="424" name="Shape 424"/>
         <p:cNvGrpSpPr/>
         <p:nvPr/>
       </p:nvGrpSpPr>
@@ -20443,7 +20728,7 @@
       </p:grpSpPr>
       <p:sp>
         <p:nvSpPr>
-          <p:cNvPr id="423" name="Google Shape;423;p5"/>
+          <p:cNvPr id="425" name="Google Shape;425;p5"/>
           <p:cNvSpPr txBox="1"/>
           <p:nvPr>
             <p:ph type="title"/>
@@ -20495,7 +20780,7 @@
       </p:sp>
       <p:graphicFrame>
         <p:nvGraphicFramePr>
-          <p:cNvPr id="424" name="Google Shape;424;p5"/>
+          <p:cNvPr id="426" name="Google Shape;426;p5"/>
           <p:cNvGraphicFramePr/>
           <p:nvPr/>
         </p:nvGraphicFramePr>
@@ -20508,7 +20793,7 @@
             <a:tbl>
               <a:tblPr bandRow="1" firstRow="1">
                 <a:noFill/>
-                <a:tableStyleId>{B0E196A6-CD99-43A2-A3D9-6BDB8C01C810}</a:tableStyleId>
+                <a:tableStyleId>{2E6AFC95-D52A-4F14-A24D-D757ACC22A88}</a:tableStyleId>
               </a:tblPr>
               <a:tblGrid>
                 <a:gridCol w="7837725"/>
@@ -21140,7 +21425,7 @@
       </p:graphicFrame>
       <p:sp>
         <p:nvSpPr>
-          <p:cNvPr id="425" name="Google Shape;425;p5"/>
+          <p:cNvPr id="427" name="Google Shape;427;p5"/>
           <p:cNvSpPr txBox="1"/>
           <p:nvPr/>
         </p:nvSpPr>
